--- a/PSN_prezentacja.pptx
+++ b/PSN_prezentacja.pptx
@@ -305,7 +305,7 @@
           <a:p>
             <a:fld id="{67F45AC6-C491-4585-A584-9CE2AF7D5500}" type="datetime1">
               <a:rPr lang="en-US" smtClean="0"/>
-              <a:t>1/18/2026</a:t>
+              <a:t>1/19/2026</a:t>
             </a:fld>
             <a:endParaRPr lang="en-US"/>
           </a:p>
@@ -604,7 +604,7 @@
           <a:p>
             <a:fld id="{67F45AC6-C491-4585-A584-9CE2AF7D5500}" type="datetime1">
               <a:rPr lang="en-US" smtClean="0"/>
-              <a:t>1/18/2026</a:t>
+              <a:t>1/19/2026</a:t>
             </a:fld>
             <a:endParaRPr lang="en-US"/>
           </a:p>
@@ -797,7 +797,7 @@
           <a:p>
             <a:fld id="{67F45AC6-C491-4585-A584-9CE2AF7D5500}" type="datetime1">
               <a:rPr lang="en-US" smtClean="0"/>
-              <a:t>1/18/2026</a:t>
+              <a:t>1/19/2026</a:t>
             </a:fld>
             <a:endParaRPr lang="en-US"/>
           </a:p>
@@ -1059,7 +1059,7 @@
           <a:p>
             <a:fld id="{67F45AC6-C491-4585-A584-9CE2AF7D5500}" type="datetime1">
               <a:rPr lang="en-US" smtClean="0"/>
-              <a:t>1/18/2026</a:t>
+              <a:t>1/19/2026</a:t>
             </a:fld>
             <a:endParaRPr lang="en-US"/>
           </a:p>
@@ -1484,7 +1484,7 @@
           <a:p>
             <a:fld id="{67F45AC6-C491-4585-A584-9CE2AF7D5500}" type="datetime1">
               <a:rPr lang="en-US" smtClean="0"/>
-              <a:t>1/18/2026</a:t>
+              <a:t>1/19/2026</a:t>
             </a:fld>
             <a:endParaRPr lang="en-US"/>
           </a:p>
@@ -2022,7 +2022,7 @@
           <a:p>
             <a:fld id="{67F45AC6-C491-4585-A584-9CE2AF7D5500}" type="datetime1">
               <a:rPr lang="en-US" smtClean="0"/>
-              <a:t>1/18/2026</a:t>
+              <a:t>1/19/2026</a:t>
             </a:fld>
             <a:endParaRPr lang="en-US"/>
           </a:p>
@@ -2887,7 +2887,7 @@
           <a:p>
             <a:fld id="{67F45AC6-C491-4585-A584-9CE2AF7D5500}" type="datetime1">
               <a:rPr lang="en-US" smtClean="0"/>
-              <a:t>1/18/2026</a:t>
+              <a:t>1/19/2026</a:t>
             </a:fld>
             <a:endParaRPr lang="en-US"/>
           </a:p>
@@ -3058,7 +3058,7 @@
           <a:p>
             <a:fld id="{67F45AC6-C491-4585-A584-9CE2AF7D5500}" type="datetime1">
               <a:rPr lang="en-US" smtClean="0"/>
-              <a:t>1/18/2026</a:t>
+              <a:t>1/19/2026</a:t>
             </a:fld>
             <a:endParaRPr lang="en-US"/>
           </a:p>
@@ -3243,7 +3243,7 @@
           <a:p>
             <a:fld id="{67F45AC6-C491-4585-A584-9CE2AF7D5500}" type="datetime1">
               <a:rPr lang="en-US" smtClean="0"/>
-              <a:t>1/18/2026</a:t>
+              <a:t>1/19/2026</a:t>
             </a:fld>
             <a:endParaRPr lang="en-US"/>
           </a:p>
@@ -3414,7 +3414,7 @@
           <a:p>
             <a:fld id="{67F45AC6-C491-4585-A584-9CE2AF7D5500}" type="datetime1">
               <a:rPr lang="en-US" smtClean="0"/>
-              <a:t>1/18/2026</a:t>
+              <a:t>1/19/2026</a:t>
             </a:fld>
             <a:endParaRPr lang="en-US"/>
           </a:p>
@@ -3659,7 +3659,7 @@
           <a:p>
             <a:fld id="{67F45AC6-C491-4585-A584-9CE2AF7D5500}" type="datetime1">
               <a:rPr lang="en-US" smtClean="0"/>
-              <a:t>1/18/2026</a:t>
+              <a:t>1/19/2026</a:t>
             </a:fld>
             <a:endParaRPr lang="en-US"/>
           </a:p>
@@ -3896,7 +3896,7 @@
           <a:p>
             <a:fld id="{67F45AC6-C491-4585-A584-9CE2AF7D5500}" type="datetime1">
               <a:rPr lang="en-US" smtClean="0"/>
-              <a:t>1/18/2026</a:t>
+              <a:t>1/19/2026</a:t>
             </a:fld>
             <a:endParaRPr lang="en-US"/>
           </a:p>
@@ -4363,7 +4363,7 @@
           <a:p>
             <a:fld id="{67F45AC6-C491-4585-A584-9CE2AF7D5500}" type="datetime1">
               <a:rPr lang="en-US" smtClean="0"/>
-              <a:t>1/18/2026</a:t>
+              <a:t>1/19/2026</a:t>
             </a:fld>
             <a:endParaRPr lang="en-US"/>
           </a:p>
@@ -4482,7 +4482,7 @@
           <a:p>
             <a:fld id="{67F45AC6-C491-4585-A584-9CE2AF7D5500}" type="datetime1">
               <a:rPr lang="en-US" smtClean="0"/>
-              <a:t>1/18/2026</a:t>
+              <a:t>1/19/2026</a:t>
             </a:fld>
             <a:endParaRPr lang="en-US"/>
           </a:p>
@@ -4578,7 +4578,7 @@
           <a:p>
             <a:fld id="{67F45AC6-C491-4585-A584-9CE2AF7D5500}" type="datetime1">
               <a:rPr lang="en-US" smtClean="0"/>
-              <a:t>1/18/2026</a:t>
+              <a:t>1/19/2026</a:t>
             </a:fld>
             <a:endParaRPr lang="en-US"/>
           </a:p>
@@ -4834,7 +4834,7 @@
           <a:p>
             <a:fld id="{67F45AC6-C491-4585-A584-9CE2AF7D5500}" type="datetime1">
               <a:rPr lang="en-US" smtClean="0"/>
-              <a:t>1/18/2026</a:t>
+              <a:t>1/19/2026</a:t>
             </a:fld>
             <a:endParaRPr lang="en-US"/>
           </a:p>
@@ -5135,7 +5135,7 @@
           <a:p>
             <a:fld id="{67F45AC6-C491-4585-A584-9CE2AF7D5500}" type="datetime1">
               <a:rPr lang="en-US" smtClean="0"/>
-              <a:t>1/18/2026</a:t>
+              <a:t>1/19/2026</a:t>
             </a:fld>
             <a:endParaRPr lang="en-US"/>
           </a:p>
@@ -5370,7 +5370,7 @@
           <a:p>
             <a:fld id="{67F45AC6-C491-4585-A584-9CE2AF7D5500}" type="datetime1">
               <a:rPr lang="en-US" smtClean="0"/>
-              <a:t>1/18/2026</a:t>
+              <a:t>1/19/2026</a:t>
             </a:fld>
             <a:endParaRPr lang="en-US"/>
           </a:p>
@@ -6375,7 +6375,12 @@
             <p:ph idx="1"/>
           </p:nvPr>
         </p:nvSpPr>
-        <p:spPr/>
+        <p:spPr>
+          <a:xfrm>
+            <a:off x="1090776" y="1727533"/>
+            <a:ext cx="10353762" cy="4058751"/>
+          </a:xfrm>
+        </p:spPr>
         <p:txBody>
           <a:bodyPr/>
           <a:lstStyle/>
@@ -6399,6 +6404,42 @@
           </a:p>
         </p:txBody>
       </p:sp>
+      <p:pic>
+        <p:nvPicPr>
+          <p:cNvPr id="5" name="Obraz 4" descr="Obraz zawierający tekst, zrzut ekranu, diagram, Ludzka twarz&#10;&#10;Zawartość wygenerowana przez AI może być niepoprawna.">
+            <a:extLst>
+              <a:ext uri="{FF2B5EF4-FFF2-40B4-BE49-F238E27FC236}">
+                <a16:creationId xmlns:a16="http://schemas.microsoft.com/office/drawing/2014/main" id="{1E57703C-6A43-8E79-1DA7-58CE4A4E39F9}"/>
+              </a:ext>
+            </a:extLst>
+          </p:cNvPr>
+          <p:cNvPicPr>
+            <a:picLocks noChangeAspect="1"/>
+          </p:cNvPicPr>
+          <p:nvPr/>
+        </p:nvPicPr>
+        <p:blipFill>
+          <a:blip r:embed="rId2">
+            <a:extLst>
+              <a:ext uri="{28A0092B-C50C-407E-A947-70E740481C1C}">
+                <a14:useLocalDpi xmlns:a14="http://schemas.microsoft.com/office/drawing/2010/main" val="0"/>
+              </a:ext>
+            </a:extLst>
+          </a:blip>
+          <a:stretch>
+            <a:fillRect/>
+          </a:stretch>
+        </p:blipFill>
+        <p:spPr>
+          <a:xfrm>
+            <a:off x="1950345" y="3429000"/>
+            <a:ext cx="8291309" cy="3041885"/>
+          </a:xfrm>
+          <a:prstGeom prst="rect">
+            <a:avLst/>
+          </a:prstGeom>
+        </p:spPr>
+      </p:pic>
     </p:spTree>
     <p:extLst>
       <p:ext uri="{BB962C8B-B14F-4D97-AF65-F5344CB8AC3E}">
@@ -7244,7 +7285,7 @@
           <a:p>
             <a:r>
               <a:rPr lang="pl-PL" dirty="0"/>
-              <a:t>Funkcja </a:t>
+              <a:t>Funkcje </a:t>
             </a:r>
             <a:r>
               <a:rPr lang="pl-PL" dirty="0" err="1"/>
@@ -7269,11 +7310,6 @@
               <a:rPr lang="pl-PL" dirty="0"/>
               <a:t> </a:t>
             </a:r>
-            <a:r>
-              <a:rPr lang="pl-PL" dirty="0" err="1"/>
-              <a:t>Callback</a:t>
-            </a:r>
-            <a:endParaRPr lang="pl-PL" dirty="0"/>
           </a:p>
           <a:p>
             <a:pPr lvl="1"/>
@@ -9256,19 +9292,36 @@
           <a:p>
             <a:r>
               <a:rPr lang="pl-PL" dirty="0"/>
-              <a:t>Analiza krzywych uczenia wskazuje, że sieć szybko adaptuje się do danych treningowych</a:t>
+              <a:t>Odpowiedni dobór danych do zestawów uczących, walidacyjnych i testowych jest kluczowy dla uzyskania optymalnych rezultatów.</a:t>
             </a:r>
           </a:p>
           <a:p>
             <a:r>
               <a:rPr lang="pl-PL" dirty="0"/>
-              <a:t>Duża ilość błędów jest powiązana z emocją </a:t>
+              <a:t>Analiza krzywych wskazuje na szybką adaptację modelu do danych treningowych, jednocześnie wskazuje to na przetrenowanie sieci (rozbieżność z dokładnością na zbiorze walidacyjnym).</a:t>
+            </a:r>
+          </a:p>
+          <a:p>
+            <a:r>
+              <a:rPr lang="pl-PL" dirty="0"/>
+              <a:t>Największa ilość błędów jest pomiędzy emocjami </a:t>
             </a:r>
             <a:r>
               <a:rPr lang="pl-PL" dirty="0" err="1"/>
               <a:t>neutral</a:t>
             </a:r>
-            <a:endParaRPr lang="pl-PL" dirty="0"/>
+            <a:r>
+              <a:rPr lang="pl-PL" dirty="0"/>
+              <a:t> i </a:t>
+            </a:r>
+            <a:r>
+              <a:rPr lang="pl-PL" dirty="0" err="1"/>
+              <a:t>surprise</a:t>
+            </a:r>
+            <a:r>
+              <a:rPr lang="pl-PL" dirty="0"/>
+              <a:t>.</a:t>
+            </a:r>
           </a:p>
           <a:p>
             <a:r>
@@ -9277,12 +9330,15 @@
             </a:r>
             <a:r>
               <a:rPr lang="pl-PL" dirty="0" err="1"/>
-              <a:t>surprise</a:t>
+              <a:t>disgust</a:t>
             </a:r>
             <a:r>
               <a:rPr lang="pl-PL" dirty="0"/>
-              <a:t> oraz happy</a:t>
-            </a:r>
+              <a:t> oraz happy (najwyższe wskaźniki F1-score). Wskazuje to na najbardziej charakterystyczne cechy wizualne tych klas.</a:t>
+            </a:r>
+          </a:p>
+          <a:p>
+            <a:endParaRPr lang="pl-PL" dirty="0"/>
           </a:p>
         </p:txBody>
       </p:sp>
